--- a/document/lession/lession1/lession1.pptx
+++ b/document/lession/lession1/lession1.pptx
@@ -7,7 +7,7 @@
   <p:sldIdLst>
     <p:sldId id="256" r:id="rId2"/>
     <p:sldId id="261" r:id="rId3"/>
-    <p:sldId id="262" r:id="rId4"/>
+    <p:sldId id="263" r:id="rId4"/>
   </p:sldIdLst>
   <p:sldSz cx="12192000" cy="6858000"/>
   <p:notesSz cx="6858000" cy="9144000"/>
@@ -227,7 +227,7 @@
           <a:p>
             <a:fld id="{4236A2FD-F72F-4549-A1ED-86E774FDAE94}" type="datetimeFigureOut">
               <a:rPr lang="zh-CN" altLang="en-US" smtClean="0"/>
-              <a:t>2016/9/27</a:t>
+              <a:t>2016/9/28</a:t>
             </a:fld>
             <a:endParaRPr lang="zh-CN" altLang="en-US"/>
           </a:p>
@@ -390,7 +390,7 @@
           <a:p>
             <a:fld id="{4236A2FD-F72F-4549-A1ED-86E774FDAE94}" type="datetimeFigureOut">
               <a:rPr lang="zh-CN" altLang="en-US" smtClean="0"/>
-              <a:t>2016/9/27</a:t>
+              <a:t>2016/9/28</a:t>
             </a:fld>
             <a:endParaRPr lang="zh-CN" altLang="en-US"/>
           </a:p>
@@ -563,7 +563,7 @@
           <a:p>
             <a:fld id="{4236A2FD-F72F-4549-A1ED-86E774FDAE94}" type="datetimeFigureOut">
               <a:rPr lang="zh-CN" altLang="en-US" smtClean="0"/>
-              <a:t>2016/9/27</a:t>
+              <a:t>2016/9/28</a:t>
             </a:fld>
             <a:endParaRPr lang="zh-CN" altLang="en-US"/>
           </a:p>
@@ -742,7 +742,7 @@
           <a:p>
             <a:fld id="{4236A2FD-F72F-4549-A1ED-86E774FDAE94}" type="datetimeFigureOut">
               <a:rPr lang="zh-CN" altLang="en-US" smtClean="0"/>
-              <a:t>2016/9/27</a:t>
+              <a:t>2016/9/28</a:t>
             </a:fld>
             <a:endParaRPr lang="zh-CN" altLang="en-US"/>
           </a:p>
@@ -982,7 +982,7 @@
           <a:p>
             <a:fld id="{4236A2FD-F72F-4549-A1ED-86E774FDAE94}" type="datetimeFigureOut">
               <a:rPr lang="zh-CN" altLang="en-US" smtClean="0"/>
-              <a:t>2016/9/27</a:t>
+              <a:t>2016/9/28</a:t>
             </a:fld>
             <a:endParaRPr lang="zh-CN" altLang="en-US"/>
           </a:p>
@@ -1206,7 +1206,7 @@
           <a:p>
             <a:fld id="{4236A2FD-F72F-4549-A1ED-86E774FDAE94}" type="datetimeFigureOut">
               <a:rPr lang="zh-CN" altLang="en-US" smtClean="0"/>
-              <a:t>2016/9/27</a:t>
+              <a:t>2016/9/28</a:t>
             </a:fld>
             <a:endParaRPr lang="zh-CN" altLang="en-US"/>
           </a:p>
@@ -1565,7 +1565,7 @@
           <a:p>
             <a:fld id="{4236A2FD-F72F-4549-A1ED-86E774FDAE94}" type="datetimeFigureOut">
               <a:rPr lang="zh-CN" altLang="en-US" smtClean="0"/>
-              <a:t>2016/9/27</a:t>
+              <a:t>2016/9/28</a:t>
             </a:fld>
             <a:endParaRPr lang="zh-CN" altLang="en-US"/>
           </a:p>
@@ -1677,7 +1677,7 @@
           <a:p>
             <a:fld id="{4236A2FD-F72F-4549-A1ED-86E774FDAE94}" type="datetimeFigureOut">
               <a:rPr lang="zh-CN" altLang="en-US" smtClean="0"/>
-              <a:t>2016/9/27</a:t>
+              <a:t>2016/9/28</a:t>
             </a:fld>
             <a:endParaRPr lang="zh-CN" altLang="en-US"/>
           </a:p>
@@ -1767,7 +1767,7 @@
           <a:p>
             <a:fld id="{4236A2FD-F72F-4549-A1ED-86E774FDAE94}" type="datetimeFigureOut">
               <a:rPr lang="zh-CN" altLang="en-US" smtClean="0"/>
-              <a:t>2016/9/27</a:t>
+              <a:t>2016/9/28</a:t>
             </a:fld>
             <a:endParaRPr lang="zh-CN" altLang="en-US"/>
           </a:p>
@@ -2037,7 +2037,7 @@
           <a:p>
             <a:fld id="{4236A2FD-F72F-4549-A1ED-86E774FDAE94}" type="datetimeFigureOut">
               <a:rPr lang="zh-CN" altLang="en-US" smtClean="0"/>
-              <a:t>2016/9/27</a:t>
+              <a:t>2016/9/28</a:t>
             </a:fld>
             <a:endParaRPr lang="zh-CN" altLang="en-US"/>
           </a:p>
@@ -2287,7 +2287,7 @@
           <a:p>
             <a:fld id="{4236A2FD-F72F-4549-A1ED-86E774FDAE94}" type="datetimeFigureOut">
               <a:rPr lang="zh-CN" altLang="en-US" smtClean="0"/>
-              <a:t>2016/9/27</a:t>
+              <a:t>2016/9/28</a:t>
             </a:fld>
             <a:endParaRPr lang="zh-CN" altLang="en-US"/>
           </a:p>
@@ -2496,7 +2496,7 @@
           <a:p>
             <a:fld id="{4236A2FD-F72F-4549-A1ED-86E774FDAE94}" type="datetimeFigureOut">
               <a:rPr lang="zh-CN" altLang="en-US" smtClean="0"/>
-              <a:t>2016/9/27</a:t>
+              <a:t>2016/9/28</a:t>
             </a:fld>
             <a:endParaRPr lang="zh-CN" altLang="en-US" dirty="0"/>
           </a:p>
@@ -2956,11 +2956,7 @@
           <a:p>
             <a:r>
               <a:rPr lang="en-US" altLang="zh-CN" b="0" dirty="0"/>
-              <a:t>Spring </a:t>
-            </a:r>
-            <a:r>
-              <a:rPr lang="en-US" altLang="zh-CN" b="0" dirty="0" err="1"/>
-              <a:t>Mongodb</a:t>
+              <a:t>Spring MongoDB</a:t>
             </a:r>
             <a:endParaRPr lang="zh-CN" altLang="en-US" b="0" dirty="0"/>
           </a:p>
@@ -3063,47 +3059,154 @@
           <a:lstStyle/>
           <a:p>
             <a:r>
-              <a:rPr lang="zh-CN" altLang="en-US" dirty="0">
-                <a:solidFill>
-                  <a:srgbClr val="FFFF00"/>
-                </a:solidFill>
-              </a:rPr>
-              <a:t>探索性测试</a:t>
-            </a:r>
-          </a:p>
-        </p:txBody>
-      </p:sp>
-      <p:sp>
-        <p:nvSpPr>
-          <p:cNvPr id="3" name="内容占位符 2"/>
-          <p:cNvSpPr>
-            <a:spLocks noGrp="1"/>
-          </p:cNvSpPr>
-          <p:nvPr>
-            <p:ph idx="1"/>
-          </p:nvPr>
-        </p:nvSpPr>
-        <p:spPr/>
-        <p:txBody>
-          <a:bodyPr>
-            <a:normAutofit/>
-          </a:bodyPr>
-          <a:lstStyle/>
-          <a:p>
-            <a:r>
-              <a:rPr lang="zh-CN" altLang="en-US" dirty="0">
-                <a:solidFill>
-                  <a:srgbClr val="FFC000"/>
-                </a:solidFill>
-              </a:rPr>
-              <a:t>探索测试与其他测试方法的区别</a:t>
-            </a:r>
-            <a:endParaRPr lang="en-US" altLang="zh-CN" dirty="0">
+              <a:rPr lang="zh-CN" altLang="en-US" dirty="0"/>
+              <a:t>为什么学习</a:t>
+            </a:r>
+            <a:r>
+              <a:rPr lang="en-US" altLang="zh-CN" dirty="0"/>
+              <a:t>MongoDB?</a:t>
+            </a:r>
+            <a:endParaRPr lang="zh-CN" altLang="en-US" dirty="0">
               <a:solidFill>
-                <a:srgbClr val="FFC000"/>
+                <a:srgbClr val="FFFF00"/>
               </a:solidFill>
             </a:endParaRPr>
           </a:p>
+        </p:txBody>
+      </p:sp>
+      <p:sp>
+        <p:nvSpPr>
+          <p:cNvPr id="3" name="内容占位符 2"/>
+          <p:cNvSpPr>
+            <a:spLocks noGrp="1"/>
+          </p:cNvSpPr>
+          <p:nvPr>
+            <p:ph idx="1"/>
+          </p:nvPr>
+        </p:nvSpPr>
+        <p:spPr/>
+        <p:txBody>
+          <a:bodyPr>
+            <a:normAutofit lnSpcReduction="10000"/>
+          </a:bodyPr>
+          <a:lstStyle/>
+          <a:p>
+            <a:pPr>
+              <a:buFont typeface="Wingdings" panose="05000000000000000000" pitchFamily="2" charset="2"/>
+              <a:buChar char="ü"/>
+            </a:pPr>
+            <a:r>
+              <a:rPr lang="zh-CN" altLang="en-US" dirty="0"/>
+              <a:t>大数据时代</a:t>
+            </a:r>
+            <a:endParaRPr lang="en-US" altLang="zh-CN" dirty="0"/>
+          </a:p>
+          <a:p>
+            <a:pPr>
+              <a:buFont typeface="Wingdings" panose="05000000000000000000" pitchFamily="2" charset="2"/>
+              <a:buChar char="ü"/>
+            </a:pPr>
+            <a:r>
+              <a:rPr lang="zh-CN" altLang="en-US" dirty="0"/>
+              <a:t>市场需求的日益增长</a:t>
+            </a:r>
+            <a:endParaRPr lang="en-US" altLang="zh-CN" dirty="0"/>
+          </a:p>
+          <a:p>
+            <a:pPr>
+              <a:buFont typeface="Wingdings" panose="05000000000000000000" pitchFamily="2" charset="2"/>
+              <a:buChar char="ü"/>
+            </a:pPr>
+            <a:r>
+              <a:rPr lang="zh-CN" altLang="en-US" dirty="0"/>
+              <a:t>数据关系不强，需求不确定</a:t>
+            </a:r>
+            <a:endParaRPr lang="en-US" altLang="zh-CN" dirty="0"/>
+          </a:p>
+          <a:p>
+            <a:pPr>
+              <a:buFont typeface="Wingdings" panose="05000000000000000000" pitchFamily="2" charset="2"/>
+              <a:buChar char="ü"/>
+            </a:pPr>
+            <a:r>
+              <a:rPr lang="zh-CN" altLang="en-US" dirty="0"/>
+              <a:t>数据实时性要求高</a:t>
+            </a:r>
+            <a:endParaRPr lang="en-US" altLang="zh-CN" dirty="0"/>
+          </a:p>
+          <a:p>
+            <a:pPr>
+              <a:buFont typeface="Wingdings" panose="05000000000000000000" pitchFamily="2" charset="2"/>
+              <a:buChar char="ü"/>
+            </a:pPr>
+            <a:endParaRPr lang="en-US" altLang="zh-CN" dirty="0"/>
+          </a:p>
+          <a:p>
+            <a:pPr>
+              <a:buFont typeface="Wingdings" panose="05000000000000000000" pitchFamily="2" charset="2"/>
+              <a:buChar char="Ø"/>
+            </a:pPr>
+            <a:r>
+              <a:rPr lang="zh-CN" altLang="en-US" dirty="0"/>
+              <a:t>内置</a:t>
+            </a:r>
+            <a:r>
+              <a:rPr lang="en-US" altLang="zh-CN" dirty="0" err="1"/>
+              <a:t>Sharding</a:t>
+            </a:r>
+            <a:endParaRPr lang="en-US" altLang="zh-CN" dirty="0"/>
+          </a:p>
+          <a:p>
+            <a:pPr>
+              <a:buFont typeface="Wingdings" panose="05000000000000000000" pitchFamily="2" charset="2"/>
+              <a:buChar char="Ø"/>
+            </a:pPr>
+            <a:r>
+              <a:rPr lang="zh-CN" altLang="en-US" dirty="0"/>
+              <a:t>性能优越</a:t>
+            </a:r>
+            <a:endParaRPr lang="en-US" altLang="zh-CN" dirty="0"/>
+          </a:p>
+          <a:p>
+            <a:pPr>
+              <a:buFont typeface="Wingdings" panose="05000000000000000000" pitchFamily="2" charset="2"/>
+              <a:buChar char="Ø"/>
+            </a:pPr>
+            <a:r>
+              <a:rPr lang="zh-CN" altLang="en-US" dirty="0"/>
+              <a:t>第三方支持丰富</a:t>
+            </a:r>
+            <a:endParaRPr lang="en-US" altLang="zh-CN" dirty="0"/>
+          </a:p>
+          <a:p>
+            <a:pPr>
+              <a:buFont typeface="Wingdings" panose="05000000000000000000" pitchFamily="2" charset="2"/>
+              <a:buChar char="Ø"/>
+            </a:pPr>
+            <a:endParaRPr lang="en-US" altLang="zh-CN" dirty="0"/>
+          </a:p>
+          <a:p>
+            <a:pPr>
+              <a:buFont typeface="Wingdings" panose="05000000000000000000" pitchFamily="2" charset="2"/>
+              <a:buChar char="l"/>
+            </a:pPr>
+            <a:r>
+              <a:rPr lang="zh-CN" altLang="en-US" dirty="0"/>
+              <a:t>不支持事务</a:t>
+            </a:r>
+            <a:endParaRPr lang="en-US" altLang="zh-CN" dirty="0"/>
+          </a:p>
+          <a:p>
+            <a:pPr>
+              <a:buFont typeface="Wingdings" panose="05000000000000000000" pitchFamily="2" charset="2"/>
+              <a:buChar char="l"/>
+            </a:pPr>
+            <a:r>
+              <a:rPr lang="zh-CN" altLang="en-US" dirty="0"/>
+              <a:t>占用空间大</a:t>
+            </a:r>
+            <a:endParaRPr lang="en-US" altLang="zh-CN" dirty="0"/>
+          </a:p>
           <a:p>
             <a:pPr lvl="2"/>
             <a:endParaRPr lang="en-US" altLang="zh-CN" dirty="0"/>
@@ -3118,30 +3221,6 @@
           </a:p>
         </p:txBody>
       </p:sp>
-      <p:pic>
-        <p:nvPicPr>
-          <p:cNvPr id="4" name="图片 3" descr="图片1.png"/>
-          <p:cNvPicPr>
-            <a:picLocks noChangeAspect="1"/>
-          </p:cNvPicPr>
-          <p:nvPr/>
-        </p:nvPicPr>
-        <p:blipFill>
-          <a:blip r:embed="rId2" cstate="print"/>
-          <a:stretch>
-            <a:fillRect/>
-          </a:stretch>
-        </p:blipFill>
-        <p:spPr>
-          <a:xfrm>
-            <a:off x="2083758" y="2338985"/>
-            <a:ext cx="8375212" cy="4083983"/>
-          </a:xfrm>
-          <a:prstGeom prst="rect">
-            <a:avLst/>
-          </a:prstGeom>
-        </p:spPr>
-      </p:pic>
     </p:spTree>
   </p:cSld>
   <p:clrMapOvr>
@@ -3150,89 +3229,6 @@
   <p:transition>
     <p:fade thruBlk="1"/>
   </p:transition>
-  <p:timing>
-    <p:tnLst>
-      <p:par>
-        <p:cTn id="1" dur="indefinite" restart="never" nodeType="tmRoot">
-          <p:childTnLst>
-            <p:seq concurrent="1" nextAc="seek">
-              <p:cTn id="2" dur="indefinite" nodeType="mainSeq">
-                <p:childTnLst>
-                  <p:par>
-                    <p:cTn id="3" fill="hold">
-                      <p:stCondLst>
-                        <p:cond delay="indefinite"/>
-                      </p:stCondLst>
-                      <p:childTnLst>
-                        <p:par>
-                          <p:cTn id="4" fill="hold">
-                            <p:stCondLst>
-                              <p:cond delay="0"/>
-                            </p:stCondLst>
-                            <p:childTnLst>
-                              <p:par>
-                                <p:cTn id="5" presetID="5" presetClass="entr" presetSubtype="10" fill="hold" nodeType="clickEffect">
-                                  <p:stCondLst>
-                                    <p:cond delay="0"/>
-                                  </p:stCondLst>
-                                  <p:childTnLst>
-                                    <p:set>
-                                      <p:cBhvr>
-                                        <p:cTn id="6" dur="1" fill="hold">
-                                          <p:stCondLst>
-                                            <p:cond delay="0"/>
-                                          </p:stCondLst>
-                                        </p:cTn>
-                                        <p:tgtEl>
-                                          <p:spTgt spid="4"/>
-                                        </p:tgtEl>
-                                        <p:attrNameLst>
-                                          <p:attrName>style.visibility</p:attrName>
-                                        </p:attrNameLst>
-                                      </p:cBhvr>
-                                      <p:to>
-                                        <p:strVal val="visible"/>
-                                      </p:to>
-                                    </p:set>
-                                    <p:animEffect transition="in" filter="checkerboard(across)">
-                                      <p:cBhvr>
-                                        <p:cTn id="7" dur="1000"/>
-                                        <p:tgtEl>
-                                          <p:spTgt spid="4"/>
-                                        </p:tgtEl>
-                                      </p:cBhvr>
-                                    </p:animEffect>
-                                  </p:childTnLst>
-                                </p:cTn>
-                              </p:par>
-                            </p:childTnLst>
-                          </p:cTn>
-                        </p:par>
-                      </p:childTnLst>
-                    </p:cTn>
-                  </p:par>
-                </p:childTnLst>
-              </p:cTn>
-              <p:prevCondLst>
-                <p:cond evt="onPrev" delay="0">
-                  <p:tgtEl>
-                    <p:sldTgt/>
-                  </p:tgtEl>
-                </p:cond>
-              </p:prevCondLst>
-              <p:nextCondLst>
-                <p:cond evt="onNext" delay="0">
-                  <p:tgtEl>
-                    <p:sldTgt/>
-                  </p:tgtEl>
-                </p:cond>
-              </p:nextCondLst>
-            </p:seq>
-          </p:childTnLst>
-        </p:cTn>
-      </p:par>
-    </p:tnLst>
-  </p:timing>
 </p:sld>
 </file>
 
@@ -3260,209 +3256,140 @@
             <a:spLocks noGrp="1"/>
           </p:cNvSpPr>
           <p:nvPr>
-            <p:ph type="ctrTitle"/>
-          </p:nvPr>
-        </p:nvSpPr>
-        <p:spPr>
-          <a:xfrm>
-            <a:off x="891610" y="1586213"/>
-            <a:ext cx="10206450" cy="981624"/>
-          </a:xfrm>
-        </p:spPr>
+            <p:ph type="title"/>
+          </p:nvPr>
+        </p:nvSpPr>
+        <p:spPr/>
+        <p:txBody>
+          <a:bodyPr/>
+          <a:lstStyle/>
+          <a:p>
+            <a:r>
+              <a:rPr lang="zh-CN" altLang="en-US" dirty="0"/>
+              <a:t>为什么学习</a:t>
+            </a:r>
+            <a:r>
+              <a:rPr lang="en-US" altLang="zh-CN" dirty="0"/>
+              <a:t>Spring MongoDB?</a:t>
+            </a:r>
+            <a:endParaRPr lang="zh-CN" altLang="en-US" dirty="0">
+              <a:solidFill>
+                <a:srgbClr val="FFFF00"/>
+              </a:solidFill>
+            </a:endParaRPr>
+          </a:p>
+        </p:txBody>
+      </p:sp>
+      <p:sp>
+        <p:nvSpPr>
+          <p:cNvPr id="3" name="内容占位符 2"/>
+          <p:cNvSpPr>
+            <a:spLocks noGrp="1"/>
+          </p:cNvSpPr>
+          <p:nvPr>
+            <p:ph idx="1"/>
+          </p:nvPr>
+        </p:nvSpPr>
+        <p:spPr/>
         <p:txBody>
           <a:bodyPr>
-            <a:normAutofit fontScale="90000"/>
+            <a:normAutofit/>
           </a:bodyPr>
           <a:lstStyle/>
           <a:p>
-            <a:pPr algn="ctr"/>
+            <a:pPr>
+              <a:buFont typeface="Wingdings" panose="05000000000000000000" pitchFamily="2" charset="2"/>
+              <a:buChar char="Ø"/>
+            </a:pPr>
             <a:r>
               <a:rPr lang="zh-CN" altLang="en-US" dirty="0"/>
-              <a:t>本节课到此结束</a:t>
-            </a:r>
-            <a:br>
+              <a:t>自带</a:t>
+            </a:r>
+            <a:r>
+              <a:rPr lang="en-US" altLang="zh-CN" dirty="0" err="1"/>
+              <a:t>api</a:t>
+            </a:r>
+            <a:r>
+              <a:rPr lang="zh-CN" altLang="en-US" dirty="0"/>
+              <a:t>使用复杂</a:t>
+            </a:r>
+            <a:endParaRPr lang="en-US" altLang="zh-CN" dirty="0"/>
+          </a:p>
+          <a:p>
+            <a:pPr>
+              <a:buFont typeface="Wingdings" panose="05000000000000000000" pitchFamily="2" charset="2"/>
+              <a:buChar char="Ø"/>
+            </a:pPr>
+            <a:r>
+              <a:rPr lang="zh-CN" altLang="en-US" dirty="0"/>
+              <a:t>集成困难</a:t>
+            </a:r>
+            <a:endParaRPr lang="en-US" altLang="zh-CN" dirty="0"/>
+          </a:p>
+          <a:p>
+            <a:pPr>
+              <a:buFont typeface="Wingdings" panose="05000000000000000000" pitchFamily="2" charset="2"/>
+              <a:buChar char="Ø"/>
+            </a:pPr>
+            <a:endParaRPr lang="en-US" altLang="zh-CN" dirty="0"/>
+          </a:p>
+          <a:p>
+            <a:pPr>
+              <a:buFont typeface="Wingdings" panose="05000000000000000000" pitchFamily="2" charset="2"/>
+              <a:buChar char="ü"/>
+            </a:pPr>
+            <a:r>
               <a:rPr lang="en-US" altLang="zh-CN" dirty="0"/>
-            </a:br>
-            <a:br>
-              <a:rPr lang="en-US" altLang="zh-CN" dirty="0">
-                <a:solidFill>
-                  <a:srgbClr val="FFC000"/>
-                </a:solidFill>
-              </a:rPr>
-            </a:br>
-            <a:br>
-              <a:rPr lang="en-US" altLang="zh-CN" dirty="0"/>
-            </a:br>
-            <a:endParaRPr lang="zh-CN" altLang="en-US" dirty="0"/>
-          </a:p>
-        </p:txBody>
-      </p:sp>
-      <p:sp>
-        <p:nvSpPr>
-          <p:cNvPr id="3" name="矩形 2"/>
-          <p:cNvSpPr/>
-          <p:nvPr/>
-        </p:nvSpPr>
-        <p:spPr>
-          <a:xfrm>
-            <a:off x="3048000" y="2690336"/>
-            <a:ext cx="6096000" cy="1577340"/>
-          </a:xfrm>
-          <a:prstGeom prst="rect">
-            <a:avLst/>
-          </a:prstGeom>
-        </p:spPr>
-        <p:txBody>
-          <a:bodyPr>
-            <a:spAutoFit/>
-          </a:bodyPr>
-          <a:lstStyle/>
-          <a:p>
-            <a:r>
-              <a:rPr lang="zh-CN" altLang="en-US" sz="2800" dirty="0">
-                <a:solidFill>
-                  <a:srgbClr val="FFC000"/>
-                </a:solidFill>
-                <a:latin typeface="Times New Roman" pitchFamily="18" charset="0"/>
-                <a:ea typeface="黑体" pitchFamily="49" charset="-122"/>
-                <a:cs typeface="Times New Roman" pitchFamily="18" charset="0"/>
-              </a:rPr>
-              <a:t>下期内容</a:t>
-            </a:r>
-          </a:p>
-          <a:p>
-            <a:pPr marL="685800" lvl="1" indent="-228600" algn="l">
-              <a:lnSpc>
-                <a:spcPct val="90000"/>
-              </a:lnSpc>
-              <a:spcBef>
-                <a:spcPts val="500"/>
-              </a:spcBef>
-              <a:buFont typeface="Arial" pitchFamily="34" charset="0"/>
+              <a:t>Spring</a:t>
+            </a:r>
+            <a:r>
+              <a:rPr lang="zh-CN" altLang="en-US" dirty="0"/>
+              <a:t>的强大社区</a:t>
+            </a:r>
+            <a:endParaRPr lang="en-US" altLang="zh-CN" dirty="0"/>
+          </a:p>
+          <a:p>
+            <a:pPr>
+              <a:buFont typeface="Wingdings" panose="05000000000000000000" pitchFamily="2" charset="2"/>
+              <a:buChar char="ü"/>
             </a:pPr>
             <a:r>
-              <a:rPr lang="zh-CN" altLang="en-US" sz="2400" dirty="0">
-                <a:solidFill>
-                  <a:schemeClr val="accent3">
-                    <a:lumMod val="40000"/>
-                    <a:lumOff val="60000"/>
-                  </a:schemeClr>
-                </a:solidFill>
-                <a:latin typeface="Times New Roman" pitchFamily="18" charset="0"/>
-                <a:ea typeface="黑体" pitchFamily="49" charset="-122"/>
-                <a:cs typeface="Times New Roman" pitchFamily="18" charset="0"/>
-              </a:rPr>
-              <a:t>探索测试的14种方法介绍</a:t>
-            </a:r>
-          </a:p>
-          <a:p>
-            <a:pPr lvl="1" indent="0" algn="l">
-              <a:lnSpc>
-                <a:spcPct val="90000"/>
-              </a:lnSpc>
-              <a:spcBef>
-                <a:spcPts val="500"/>
-              </a:spcBef>
-              <a:buFont typeface="Arial" pitchFamily="34" charset="0"/>
-              <a:buNone/>
+              <a:rPr lang="en-US" altLang="zh-CN" dirty="0" err="1"/>
+              <a:t>Api</a:t>
+            </a:r>
+            <a:r>
+              <a:rPr lang="zh-CN" altLang="en-US"/>
+              <a:t>的简化与加强</a:t>
+            </a:r>
+            <a:endParaRPr lang="en-US" altLang="zh-CN" dirty="0"/>
+          </a:p>
+          <a:p>
+            <a:pPr>
+              <a:buFont typeface="Wingdings" panose="05000000000000000000" pitchFamily="2" charset="2"/>
+              <a:buChar char="ü"/>
             </a:pPr>
             <a:r>
-              <a:rPr lang="zh-CN" altLang="en-US" sz="2400" dirty="0">
-                <a:solidFill>
-                  <a:schemeClr val="accent3">
-                    <a:lumMod val="40000"/>
-                    <a:lumOff val="60000"/>
-                  </a:schemeClr>
-                </a:solidFill>
-                <a:latin typeface="Times New Roman" pitchFamily="18" charset="0"/>
-                <a:ea typeface="黑体" pitchFamily="49" charset="-122"/>
-                <a:cs typeface="Times New Roman" pitchFamily="18" charset="0"/>
-              </a:rPr>
-              <a:t>    </a:t>
-            </a:r>
-            <a:r>
-              <a:rPr lang="en-US" altLang="zh-CN" sz="2400" dirty="0">
-                <a:solidFill>
-                  <a:schemeClr val="accent3">
-                    <a:lumMod val="40000"/>
-                    <a:lumOff val="60000"/>
-                  </a:schemeClr>
-                </a:solidFill>
-                <a:latin typeface="Times New Roman" pitchFamily="18" charset="0"/>
-                <a:ea typeface="黑体" pitchFamily="49" charset="-122"/>
-                <a:cs typeface="Times New Roman" pitchFamily="18" charset="0"/>
-              </a:rPr>
-              <a:t>1</a:t>
-            </a:r>
-            <a:r>
-              <a:rPr lang="zh-CN" altLang="zh-CN" sz="2400" dirty="0">
-                <a:solidFill>
-                  <a:schemeClr val="accent3">
-                    <a:lumMod val="40000"/>
-                    <a:lumOff val="60000"/>
-                  </a:schemeClr>
-                </a:solidFill>
-                <a:latin typeface="Times New Roman" pitchFamily="18" charset="0"/>
-                <a:ea typeface="黑体" pitchFamily="49" charset="-122"/>
-                <a:cs typeface="Times New Roman" pitchFamily="18" charset="0"/>
-              </a:rPr>
-              <a:t>、</a:t>
-            </a:r>
-            <a:r>
-              <a:rPr lang="zh-CN" altLang="en-US" sz="2400" dirty="0">
-                <a:solidFill>
-                  <a:schemeClr val="accent3">
-                    <a:lumMod val="40000"/>
-                    <a:lumOff val="60000"/>
-                  </a:schemeClr>
-                </a:solidFill>
-                <a:latin typeface="Times New Roman" pitchFamily="18" charset="0"/>
-                <a:ea typeface="黑体" pitchFamily="49" charset="-122"/>
-                <a:cs typeface="Times New Roman" pitchFamily="18" charset="0"/>
-              </a:rPr>
-              <a:t>反叛法</a:t>
-            </a:r>
+              <a:rPr lang="zh-CN" altLang="en-US" dirty="0"/>
+              <a:t>集成依赖注入</a:t>
+            </a:r>
+            <a:endParaRPr lang="en-US" altLang="zh-CN" dirty="0"/>
           </a:p>
           <a:p>
             <a:pPr lvl="2"/>
             <a:endParaRPr lang="zh-CN" altLang="en-US" dirty="0"/>
           </a:p>
-        </p:txBody>
-      </p:sp>
-      <p:sp>
-        <p:nvSpPr>
-          <p:cNvPr id="5" name="矩形 4"/>
-          <p:cNvSpPr/>
-          <p:nvPr/>
-        </p:nvSpPr>
-        <p:spPr>
-          <a:xfrm>
-            <a:off x="613775" y="4158733"/>
-            <a:ext cx="11336055" cy="707886"/>
-          </a:xfrm>
-          <a:prstGeom prst="rect">
-            <a:avLst/>
-          </a:prstGeom>
-        </p:spPr>
-        <p:txBody>
-          <a:bodyPr wrap="square">
-            <a:spAutoFit/>
-          </a:bodyPr>
-          <a:lstStyle/>
-          <a:p>
-            <a:pPr algn="ctr"/>
-            <a:r>
-              <a:rPr lang="zh-CN" altLang="en-US" sz="4000" dirty="0">
-                <a:solidFill>
-                  <a:schemeClr val="bg1"/>
-                </a:solidFill>
-              </a:rPr>
-              <a:t>谢谢观赏</a:t>
-            </a:r>
+          <a:p>
+            <a:pPr lvl="2"/>
+            <a:endParaRPr lang="zh-CN" altLang="en-US" dirty="0"/>
           </a:p>
         </p:txBody>
       </p:sp>
     </p:spTree>
+    <p:extLst>
+      <p:ext uri="{BB962C8B-B14F-4D97-AF65-F5344CB8AC3E}">
+        <p14:creationId xmlns:p14="http://schemas.microsoft.com/office/powerpoint/2010/main" val="1331954956"/>
+      </p:ext>
+    </p:extLst>
   </p:cSld>
   <p:clrMapOvr>
     <a:masterClrMapping/>
@@ -3470,370 +3397,6 @@
   <p:transition>
     <p:fade thruBlk="1"/>
   </p:transition>
-  <p:timing>
-    <p:tnLst>
-      <p:par>
-        <p:cTn id="1" dur="indefinite" restart="never" nodeType="tmRoot">
-          <p:childTnLst>
-            <p:seq concurrent="1" nextAc="seek">
-              <p:cTn id="2" dur="indefinite" nodeType="mainSeq">
-                <p:childTnLst>
-                  <p:par>
-                    <p:cTn id="3" fill="hold">
-                      <p:stCondLst>
-                        <p:cond delay="indefinite"/>
-                      </p:stCondLst>
-                      <p:childTnLst>
-                        <p:par>
-                          <p:cTn id="4" fill="hold">
-                            <p:stCondLst>
-                              <p:cond delay="0"/>
-                            </p:stCondLst>
-                            <p:childTnLst>
-                              <p:par>
-                                <p:cTn id="5" presetID="2" presetClass="entr" presetSubtype="4" fill="hold" nodeType="clickEffect">
-                                  <p:stCondLst>
-                                    <p:cond delay="0"/>
-                                  </p:stCondLst>
-                                  <p:childTnLst>
-                                    <p:set>
-                                      <p:cBhvr>
-                                        <p:cTn id="6" dur="1" fill="hold">
-                                          <p:stCondLst>
-                                            <p:cond delay="0"/>
-                                          </p:stCondLst>
-                                        </p:cTn>
-                                        <p:tgtEl>
-                                          <p:spTgt spid="3">
-                                            <p:txEl>
-                                              <p:pRg st="0" end="0"/>
-                                            </p:txEl>
-                                          </p:spTgt>
-                                        </p:tgtEl>
-                                        <p:attrNameLst>
-                                          <p:attrName>style.visibility</p:attrName>
-                                        </p:attrNameLst>
-                                      </p:cBhvr>
-                                      <p:to>
-                                        <p:strVal val="visible"/>
-                                      </p:to>
-                                    </p:set>
-                                    <p:anim calcmode="lin" valueType="num">
-                                      <p:cBhvr additive="base">
-                                        <p:cTn id="7" dur="500" fill="hold"/>
-                                        <p:tgtEl>
-                                          <p:spTgt spid="3">
-                                            <p:txEl>
-                                              <p:pRg st="0" end="0"/>
-                                            </p:txEl>
-                                          </p:spTgt>
-                                        </p:tgtEl>
-                                        <p:attrNameLst>
-                                          <p:attrName>ppt_x</p:attrName>
-                                        </p:attrNameLst>
-                                      </p:cBhvr>
-                                      <p:tavLst>
-                                        <p:tav tm="0">
-                                          <p:val>
-                                            <p:strVal val="#ppt_x"/>
-                                          </p:val>
-                                        </p:tav>
-                                        <p:tav tm="100000">
-                                          <p:val>
-                                            <p:strVal val="#ppt_x"/>
-                                          </p:val>
-                                        </p:tav>
-                                      </p:tavLst>
-                                    </p:anim>
-                                    <p:anim calcmode="lin" valueType="num">
-                                      <p:cBhvr additive="base">
-                                        <p:cTn id="8" dur="500" fill="hold"/>
-                                        <p:tgtEl>
-                                          <p:spTgt spid="3">
-                                            <p:txEl>
-                                              <p:pRg st="0" end="0"/>
-                                            </p:txEl>
-                                          </p:spTgt>
-                                        </p:tgtEl>
-                                        <p:attrNameLst>
-                                          <p:attrName>ppt_y</p:attrName>
-                                        </p:attrNameLst>
-                                      </p:cBhvr>
-                                      <p:tavLst>
-                                        <p:tav tm="0">
-                                          <p:val>
-                                            <p:strVal val="1+#ppt_h/2"/>
-                                          </p:val>
-                                        </p:tav>
-                                        <p:tav tm="100000">
-                                          <p:val>
-                                            <p:strVal val="#ppt_y"/>
-                                          </p:val>
-                                        </p:tav>
-                                      </p:tavLst>
-                                    </p:anim>
-                                  </p:childTnLst>
-                                </p:cTn>
-                              </p:par>
-                              <p:par>
-                                <p:cTn id="9" presetID="2" presetClass="entr" presetSubtype="4" fill="hold" nodeType="withEffect">
-                                  <p:stCondLst>
-                                    <p:cond delay="0"/>
-                                  </p:stCondLst>
-                                  <p:childTnLst>
-                                    <p:set>
-                                      <p:cBhvr>
-                                        <p:cTn id="10" dur="1" fill="hold">
-                                          <p:stCondLst>
-                                            <p:cond delay="0"/>
-                                          </p:stCondLst>
-                                        </p:cTn>
-                                        <p:tgtEl>
-                                          <p:spTgt spid="3">
-                                            <p:txEl>
-                                              <p:pRg st="1" end="1"/>
-                                            </p:txEl>
-                                          </p:spTgt>
-                                        </p:tgtEl>
-                                        <p:attrNameLst>
-                                          <p:attrName>style.visibility</p:attrName>
-                                        </p:attrNameLst>
-                                      </p:cBhvr>
-                                      <p:to>
-                                        <p:strVal val="visible"/>
-                                      </p:to>
-                                    </p:set>
-                                    <p:anim calcmode="lin" valueType="num">
-                                      <p:cBhvr additive="base">
-                                        <p:cTn id="11" dur="500" fill="hold"/>
-                                        <p:tgtEl>
-                                          <p:spTgt spid="3">
-                                            <p:txEl>
-                                              <p:pRg st="1" end="1"/>
-                                            </p:txEl>
-                                          </p:spTgt>
-                                        </p:tgtEl>
-                                        <p:attrNameLst>
-                                          <p:attrName>ppt_x</p:attrName>
-                                        </p:attrNameLst>
-                                      </p:cBhvr>
-                                      <p:tavLst>
-                                        <p:tav tm="0">
-                                          <p:val>
-                                            <p:strVal val="#ppt_x"/>
-                                          </p:val>
-                                        </p:tav>
-                                        <p:tav tm="100000">
-                                          <p:val>
-                                            <p:strVal val="#ppt_x"/>
-                                          </p:val>
-                                        </p:tav>
-                                      </p:tavLst>
-                                    </p:anim>
-                                    <p:anim calcmode="lin" valueType="num">
-                                      <p:cBhvr additive="base">
-                                        <p:cTn id="12" dur="500" fill="hold"/>
-                                        <p:tgtEl>
-                                          <p:spTgt spid="3">
-                                            <p:txEl>
-                                              <p:pRg st="1" end="1"/>
-                                            </p:txEl>
-                                          </p:spTgt>
-                                        </p:tgtEl>
-                                        <p:attrNameLst>
-                                          <p:attrName>ppt_y</p:attrName>
-                                        </p:attrNameLst>
-                                      </p:cBhvr>
-                                      <p:tavLst>
-                                        <p:tav tm="0">
-                                          <p:val>
-                                            <p:strVal val="1+#ppt_h/2"/>
-                                          </p:val>
-                                        </p:tav>
-                                        <p:tav tm="100000">
-                                          <p:val>
-                                            <p:strVal val="#ppt_y"/>
-                                          </p:val>
-                                        </p:tav>
-                                      </p:tavLst>
-                                    </p:anim>
-                                  </p:childTnLst>
-                                </p:cTn>
-                              </p:par>
-                              <p:par>
-                                <p:cTn id="13" presetID="2" presetClass="entr" presetSubtype="4" fill="hold" nodeType="withEffect">
-                                  <p:stCondLst>
-                                    <p:cond delay="0"/>
-                                  </p:stCondLst>
-                                  <p:childTnLst>
-                                    <p:set>
-                                      <p:cBhvr>
-                                        <p:cTn id="14" dur="1" fill="hold">
-                                          <p:stCondLst>
-                                            <p:cond delay="0"/>
-                                          </p:stCondLst>
-                                        </p:cTn>
-                                        <p:tgtEl>
-                                          <p:spTgt spid="3">
-                                            <p:txEl>
-                                              <p:pRg st="2" end="2"/>
-                                            </p:txEl>
-                                          </p:spTgt>
-                                        </p:tgtEl>
-                                        <p:attrNameLst>
-                                          <p:attrName>style.visibility</p:attrName>
-                                        </p:attrNameLst>
-                                      </p:cBhvr>
-                                      <p:to>
-                                        <p:strVal val="visible"/>
-                                      </p:to>
-                                    </p:set>
-                                    <p:anim calcmode="lin" valueType="num">
-                                      <p:cBhvr additive="base">
-                                        <p:cTn id="15" dur="500" fill="hold"/>
-                                        <p:tgtEl>
-                                          <p:spTgt spid="3">
-                                            <p:txEl>
-                                              <p:pRg st="2" end="2"/>
-                                            </p:txEl>
-                                          </p:spTgt>
-                                        </p:tgtEl>
-                                        <p:attrNameLst>
-                                          <p:attrName>ppt_x</p:attrName>
-                                        </p:attrNameLst>
-                                      </p:cBhvr>
-                                      <p:tavLst>
-                                        <p:tav tm="0">
-                                          <p:val>
-                                            <p:strVal val="#ppt_x"/>
-                                          </p:val>
-                                        </p:tav>
-                                        <p:tav tm="100000">
-                                          <p:val>
-                                            <p:strVal val="#ppt_x"/>
-                                          </p:val>
-                                        </p:tav>
-                                      </p:tavLst>
-                                    </p:anim>
-                                    <p:anim calcmode="lin" valueType="num">
-                                      <p:cBhvr additive="base">
-                                        <p:cTn id="16" dur="500" fill="hold"/>
-                                        <p:tgtEl>
-                                          <p:spTgt spid="3">
-                                            <p:txEl>
-                                              <p:pRg st="2" end="2"/>
-                                            </p:txEl>
-                                          </p:spTgt>
-                                        </p:tgtEl>
-                                        <p:attrNameLst>
-                                          <p:attrName>ppt_y</p:attrName>
-                                        </p:attrNameLst>
-                                      </p:cBhvr>
-                                      <p:tavLst>
-                                        <p:tav tm="0">
-                                          <p:val>
-                                            <p:strVal val="1+#ppt_h/2"/>
-                                          </p:val>
-                                        </p:tav>
-                                        <p:tav tm="100000">
-                                          <p:val>
-                                            <p:strVal val="#ppt_y"/>
-                                          </p:val>
-                                        </p:tav>
-                                      </p:tavLst>
-                                    </p:anim>
-                                  </p:childTnLst>
-                                </p:cTn>
-                              </p:par>
-                            </p:childTnLst>
-                          </p:cTn>
-                        </p:par>
-                      </p:childTnLst>
-                    </p:cTn>
-                  </p:par>
-                  <p:par>
-                    <p:cTn id="17" fill="hold">
-                      <p:stCondLst>
-                        <p:cond delay="indefinite"/>
-                      </p:stCondLst>
-                      <p:childTnLst>
-                        <p:par>
-                          <p:cTn id="18" fill="hold">
-                            <p:stCondLst>
-                              <p:cond delay="0"/>
-                            </p:stCondLst>
-                            <p:childTnLst>
-                              <p:par>
-                                <p:cTn id="19" presetID="3" presetClass="entr" presetSubtype="10" fill="hold" nodeType="clickEffect">
-                                  <p:stCondLst>
-                                    <p:cond delay="0"/>
-                                  </p:stCondLst>
-                                  <p:childTnLst>
-                                    <p:set>
-                                      <p:cBhvr>
-                                        <p:cTn id="20" dur="1" fill="hold">
-                                          <p:stCondLst>
-                                            <p:cond delay="0"/>
-                                          </p:stCondLst>
-                                        </p:cTn>
-                                        <p:tgtEl>
-                                          <p:spTgt spid="5">
-                                            <p:txEl>
-                                              <p:pRg st="0" end="0"/>
-                                            </p:txEl>
-                                          </p:spTgt>
-                                        </p:tgtEl>
-                                        <p:attrNameLst>
-                                          <p:attrName>style.visibility</p:attrName>
-                                        </p:attrNameLst>
-                                      </p:cBhvr>
-                                      <p:to>
-                                        <p:strVal val="visible"/>
-                                      </p:to>
-                                    </p:set>
-                                    <p:animEffect transition="in" filter="blinds(horizontal)">
-                                      <p:cBhvr>
-                                        <p:cTn id="21" dur="500"/>
-                                        <p:tgtEl>
-                                          <p:spTgt spid="5">
-                                            <p:txEl>
-                                              <p:pRg st="0" end="0"/>
-                                            </p:txEl>
-                                          </p:spTgt>
-                                        </p:tgtEl>
-                                      </p:cBhvr>
-                                    </p:animEffect>
-                                  </p:childTnLst>
-                                </p:cTn>
-                              </p:par>
-                            </p:childTnLst>
-                          </p:cTn>
-                        </p:par>
-                      </p:childTnLst>
-                    </p:cTn>
-                  </p:par>
-                </p:childTnLst>
-              </p:cTn>
-              <p:prevCondLst>
-                <p:cond evt="onPrev" delay="0">
-                  <p:tgtEl>
-                    <p:sldTgt/>
-                  </p:tgtEl>
-                </p:cond>
-              </p:prevCondLst>
-              <p:nextCondLst>
-                <p:cond evt="onNext" delay="0">
-                  <p:tgtEl>
-                    <p:sldTgt/>
-                  </p:tgtEl>
-                </p:cond>
-              </p:nextCondLst>
-            </p:seq>
-          </p:childTnLst>
-        </p:cTn>
-      </p:par>
-    </p:tnLst>
-  </p:timing>
 </p:sld>
 </file>
 

--- a/document/lession/lession1/lession1.pptx
+++ b/document/lession/lession1/lession1.pptx
@@ -8,6 +8,8 @@
     <p:sldId id="256" r:id="rId2"/>
     <p:sldId id="261" r:id="rId3"/>
     <p:sldId id="263" r:id="rId4"/>
+    <p:sldId id="264" r:id="rId5"/>
+    <p:sldId id="265" r:id="rId6"/>
   </p:sldIdLst>
   <p:sldSz cx="12192000" cy="6858000"/>
   <p:notesSz cx="6858000" cy="9144000"/>
@@ -227,7 +229,7 @@
           <a:p>
             <a:fld id="{4236A2FD-F72F-4549-A1ED-86E774FDAE94}" type="datetimeFigureOut">
               <a:rPr lang="zh-CN" altLang="en-US" smtClean="0"/>
-              <a:t>2016/9/28</a:t>
+              <a:t>2016/10/7</a:t>
             </a:fld>
             <a:endParaRPr lang="zh-CN" altLang="en-US"/>
           </a:p>
@@ -390,7 +392,7 @@
           <a:p>
             <a:fld id="{4236A2FD-F72F-4549-A1ED-86E774FDAE94}" type="datetimeFigureOut">
               <a:rPr lang="zh-CN" altLang="en-US" smtClean="0"/>
-              <a:t>2016/9/28</a:t>
+              <a:t>2016/10/7</a:t>
             </a:fld>
             <a:endParaRPr lang="zh-CN" altLang="en-US"/>
           </a:p>
@@ -563,7 +565,7 @@
           <a:p>
             <a:fld id="{4236A2FD-F72F-4549-A1ED-86E774FDAE94}" type="datetimeFigureOut">
               <a:rPr lang="zh-CN" altLang="en-US" smtClean="0"/>
-              <a:t>2016/9/28</a:t>
+              <a:t>2016/10/7</a:t>
             </a:fld>
             <a:endParaRPr lang="zh-CN" altLang="en-US"/>
           </a:p>
@@ -742,7 +744,7 @@
           <a:p>
             <a:fld id="{4236A2FD-F72F-4549-A1ED-86E774FDAE94}" type="datetimeFigureOut">
               <a:rPr lang="zh-CN" altLang="en-US" smtClean="0"/>
-              <a:t>2016/9/28</a:t>
+              <a:t>2016/10/7</a:t>
             </a:fld>
             <a:endParaRPr lang="zh-CN" altLang="en-US"/>
           </a:p>
@@ -982,7 +984,7 @@
           <a:p>
             <a:fld id="{4236A2FD-F72F-4549-A1ED-86E774FDAE94}" type="datetimeFigureOut">
               <a:rPr lang="zh-CN" altLang="en-US" smtClean="0"/>
-              <a:t>2016/9/28</a:t>
+              <a:t>2016/10/7</a:t>
             </a:fld>
             <a:endParaRPr lang="zh-CN" altLang="en-US"/>
           </a:p>
@@ -1206,7 +1208,7 @@
           <a:p>
             <a:fld id="{4236A2FD-F72F-4549-A1ED-86E774FDAE94}" type="datetimeFigureOut">
               <a:rPr lang="zh-CN" altLang="en-US" smtClean="0"/>
-              <a:t>2016/9/28</a:t>
+              <a:t>2016/10/7</a:t>
             </a:fld>
             <a:endParaRPr lang="zh-CN" altLang="en-US"/>
           </a:p>
@@ -1565,7 +1567,7 @@
           <a:p>
             <a:fld id="{4236A2FD-F72F-4549-A1ED-86E774FDAE94}" type="datetimeFigureOut">
               <a:rPr lang="zh-CN" altLang="en-US" smtClean="0"/>
-              <a:t>2016/9/28</a:t>
+              <a:t>2016/10/7</a:t>
             </a:fld>
             <a:endParaRPr lang="zh-CN" altLang="en-US"/>
           </a:p>
@@ -1677,7 +1679,7 @@
           <a:p>
             <a:fld id="{4236A2FD-F72F-4549-A1ED-86E774FDAE94}" type="datetimeFigureOut">
               <a:rPr lang="zh-CN" altLang="en-US" smtClean="0"/>
-              <a:t>2016/9/28</a:t>
+              <a:t>2016/10/7</a:t>
             </a:fld>
             <a:endParaRPr lang="zh-CN" altLang="en-US"/>
           </a:p>
@@ -1767,7 +1769,7 @@
           <a:p>
             <a:fld id="{4236A2FD-F72F-4549-A1ED-86E774FDAE94}" type="datetimeFigureOut">
               <a:rPr lang="zh-CN" altLang="en-US" smtClean="0"/>
-              <a:t>2016/9/28</a:t>
+              <a:t>2016/10/7</a:t>
             </a:fld>
             <a:endParaRPr lang="zh-CN" altLang="en-US"/>
           </a:p>
@@ -2037,7 +2039,7 @@
           <a:p>
             <a:fld id="{4236A2FD-F72F-4549-A1ED-86E774FDAE94}" type="datetimeFigureOut">
               <a:rPr lang="zh-CN" altLang="en-US" smtClean="0"/>
-              <a:t>2016/9/28</a:t>
+              <a:t>2016/10/7</a:t>
             </a:fld>
             <a:endParaRPr lang="zh-CN" altLang="en-US"/>
           </a:p>
@@ -2287,7 +2289,7 @@
           <a:p>
             <a:fld id="{4236A2FD-F72F-4549-A1ED-86E774FDAE94}" type="datetimeFigureOut">
               <a:rPr lang="zh-CN" altLang="en-US" smtClean="0"/>
-              <a:t>2016/9/28</a:t>
+              <a:t>2016/10/7</a:t>
             </a:fld>
             <a:endParaRPr lang="zh-CN" altLang="en-US"/>
           </a:p>
@@ -2496,7 +2498,7 @@
           <a:p>
             <a:fld id="{4236A2FD-F72F-4549-A1ED-86E774FDAE94}" type="datetimeFigureOut">
               <a:rPr lang="zh-CN" altLang="en-US" smtClean="0"/>
-              <a:t>2016/9/28</a:t>
+              <a:t>2016/10/7</a:t>
             </a:fld>
             <a:endParaRPr lang="zh-CN" altLang="en-US" dirty="0"/>
           </a:p>
@@ -3400,6 +3402,280 @@
 </p:sld>
 </file>
 
+<file path=ppt/slides/slide4.xml><?xml version="1.0" encoding="utf-8"?>
+<p:sld xmlns:a="http://schemas.openxmlformats.org/drawingml/2006/main" xmlns:r="http://schemas.openxmlformats.org/officeDocument/2006/relationships" xmlns:p="http://schemas.openxmlformats.org/presentationml/2006/main">
+  <p:cSld>
+    <p:spTree>
+      <p:nvGrpSpPr>
+        <p:cNvPr id="1" name=""/>
+        <p:cNvGrpSpPr/>
+        <p:nvPr/>
+      </p:nvGrpSpPr>
+      <p:grpSpPr>
+        <a:xfrm>
+          <a:off x="0" y="0"/>
+          <a:ext cx="0" cy="0"/>
+          <a:chOff x="0" y="0"/>
+          <a:chExt cx="0" cy="0"/>
+        </a:xfrm>
+      </p:grpSpPr>
+      <p:sp>
+        <p:nvSpPr>
+          <p:cNvPr id="2" name="标题 1"/>
+          <p:cNvSpPr>
+            <a:spLocks noGrp="1"/>
+          </p:cNvSpPr>
+          <p:nvPr>
+            <p:ph type="title"/>
+          </p:nvPr>
+        </p:nvSpPr>
+        <p:spPr/>
+        <p:txBody>
+          <a:bodyPr/>
+          <a:lstStyle/>
+          <a:p>
+            <a:r>
+              <a:rPr lang="zh-CN" altLang="en-US" dirty="0"/>
+              <a:t>必备知识</a:t>
+            </a:r>
+          </a:p>
+        </p:txBody>
+      </p:sp>
+      <p:sp>
+        <p:nvSpPr>
+          <p:cNvPr id="3" name="内容占位符 2"/>
+          <p:cNvSpPr>
+            <a:spLocks noGrp="1"/>
+          </p:cNvSpPr>
+          <p:nvPr>
+            <p:ph idx="1"/>
+          </p:nvPr>
+        </p:nvSpPr>
+        <p:spPr/>
+        <p:txBody>
+          <a:bodyPr/>
+          <a:lstStyle/>
+          <a:p>
+            <a:r>
+              <a:rPr lang="en-US" altLang="zh-CN" dirty="0"/>
+              <a:t>JAVA</a:t>
+            </a:r>
+            <a:r>
+              <a:rPr lang="zh-CN" altLang="en-US" dirty="0"/>
+              <a:t>基础</a:t>
+            </a:r>
+            <a:endParaRPr lang="en-US" altLang="zh-CN" dirty="0"/>
+          </a:p>
+          <a:p>
+            <a:r>
+              <a:rPr lang="zh-CN" altLang="en-US" dirty="0"/>
+              <a:t>熟悉</a:t>
+            </a:r>
+            <a:r>
+              <a:rPr lang="en-US" altLang="zh-CN" dirty="0"/>
+              <a:t>Spring</a:t>
+            </a:r>
+            <a:r>
+              <a:rPr lang="zh-CN" altLang="en-US" dirty="0"/>
+              <a:t>框架</a:t>
+            </a:r>
+            <a:endParaRPr lang="en-US" altLang="zh-CN" dirty="0"/>
+          </a:p>
+          <a:p>
+            <a:r>
+              <a:rPr lang="en-US" altLang="zh-CN" dirty="0"/>
+              <a:t>JSON</a:t>
+            </a:r>
+            <a:r>
+              <a:rPr lang="zh-CN" altLang="en-US" dirty="0"/>
+              <a:t>数据格式</a:t>
+            </a:r>
+            <a:endParaRPr lang="en-US" altLang="zh-CN" dirty="0"/>
+          </a:p>
+        </p:txBody>
+      </p:sp>
+    </p:spTree>
+    <p:extLst>
+      <p:ext uri="{BB962C8B-B14F-4D97-AF65-F5344CB8AC3E}">
+        <p14:creationId xmlns:p14="http://schemas.microsoft.com/office/powerpoint/2010/main" val="1184805321"/>
+      </p:ext>
+    </p:extLst>
+  </p:cSld>
+  <p:clrMapOvr>
+    <a:masterClrMapping/>
+  </p:clrMapOvr>
+</p:sld>
+</file>
+
+<file path=ppt/slides/slide5.xml><?xml version="1.0" encoding="utf-8"?>
+<p:sld xmlns:a="http://schemas.openxmlformats.org/drawingml/2006/main" xmlns:r="http://schemas.openxmlformats.org/officeDocument/2006/relationships" xmlns:p="http://schemas.openxmlformats.org/presentationml/2006/main">
+  <p:cSld>
+    <p:spTree>
+      <p:nvGrpSpPr>
+        <p:cNvPr id="1" name=""/>
+        <p:cNvGrpSpPr/>
+        <p:nvPr/>
+      </p:nvGrpSpPr>
+      <p:grpSpPr>
+        <a:xfrm>
+          <a:off x="0" y="0"/>
+          <a:ext cx="0" cy="0"/>
+          <a:chOff x="0" y="0"/>
+          <a:chExt cx="0" cy="0"/>
+        </a:xfrm>
+      </p:grpSpPr>
+      <p:sp>
+        <p:nvSpPr>
+          <p:cNvPr id="2" name="标题 1"/>
+          <p:cNvSpPr>
+            <a:spLocks noGrp="1"/>
+          </p:cNvSpPr>
+          <p:nvPr>
+            <p:ph type="title"/>
+          </p:nvPr>
+        </p:nvSpPr>
+        <p:spPr/>
+        <p:txBody>
+          <a:bodyPr/>
+          <a:lstStyle/>
+          <a:p>
+            <a:r>
+              <a:rPr lang="zh-CN" altLang="en-US" dirty="0"/>
+              <a:t>课程内容</a:t>
+            </a:r>
+          </a:p>
+        </p:txBody>
+      </p:sp>
+      <p:sp>
+        <p:nvSpPr>
+          <p:cNvPr id="3" name="内容占位符 2"/>
+          <p:cNvSpPr>
+            <a:spLocks noGrp="1"/>
+          </p:cNvSpPr>
+          <p:nvPr>
+            <p:ph idx="1"/>
+          </p:nvPr>
+        </p:nvSpPr>
+        <p:spPr/>
+        <p:txBody>
+          <a:bodyPr>
+            <a:normAutofit/>
+          </a:bodyPr>
+          <a:lstStyle/>
+          <a:p>
+            <a:r>
+              <a:rPr lang="en-US" altLang="zh-CN" dirty="0"/>
+              <a:t>MongoDB</a:t>
+            </a:r>
+            <a:r>
+              <a:rPr lang="zh-CN" altLang="en-US" dirty="0"/>
+              <a:t>简介</a:t>
+            </a:r>
+            <a:endParaRPr lang="en-US" altLang="zh-CN" dirty="0"/>
+          </a:p>
+          <a:p>
+            <a:r>
+              <a:rPr lang="zh-CN" altLang="en-US" dirty="0"/>
+              <a:t>搭建</a:t>
+            </a:r>
+            <a:r>
+              <a:rPr lang="en-US" altLang="zh-CN" dirty="0" err="1"/>
+              <a:t>SpringMongoDB</a:t>
+            </a:r>
+            <a:endParaRPr lang="en-US" altLang="zh-CN" dirty="0"/>
+          </a:p>
+          <a:p>
+            <a:r>
+              <a:rPr lang="en-US" altLang="zh-CN" dirty="0"/>
+              <a:t>CURD</a:t>
+            </a:r>
+            <a:r>
+              <a:rPr lang="zh-CN" altLang="en-US" dirty="0"/>
+              <a:t>操作</a:t>
+            </a:r>
+            <a:endParaRPr lang="en-US" altLang="zh-CN" dirty="0"/>
+          </a:p>
+          <a:p>
+            <a:r>
+              <a:rPr lang="en-US" altLang="zh-CN" dirty="0" err="1"/>
+              <a:t>QueryDsl</a:t>
+            </a:r>
+            <a:r>
+              <a:rPr lang="zh-CN" altLang="en-US" dirty="0"/>
+              <a:t>使用</a:t>
+            </a:r>
+            <a:r>
+              <a:rPr lang="zh-CN" altLang="en-US"/>
+              <a:t>与集成</a:t>
+            </a:r>
+            <a:endParaRPr lang="en-US" altLang="zh-CN" dirty="0"/>
+          </a:p>
+          <a:p>
+            <a:r>
+              <a:rPr lang="zh-CN" altLang="en-US" dirty="0"/>
+              <a:t>高级查询</a:t>
+            </a:r>
+            <a:endParaRPr lang="en-US" altLang="zh-CN" dirty="0"/>
+          </a:p>
+          <a:p>
+            <a:pPr lvl="1"/>
+            <a:r>
+              <a:rPr lang="en-US" altLang="zh-CN" dirty="0" err="1"/>
+              <a:t>TextSearch</a:t>
+            </a:r>
+            <a:endParaRPr lang="en-US" altLang="zh-CN" dirty="0"/>
+          </a:p>
+          <a:p>
+            <a:pPr lvl="1"/>
+            <a:r>
+              <a:rPr lang="en-US" altLang="zh-CN" dirty="0" err="1"/>
+              <a:t>DBRef</a:t>
+            </a:r>
+            <a:endParaRPr lang="en-US" altLang="zh-CN" dirty="0"/>
+          </a:p>
+          <a:p>
+            <a:pPr lvl="1"/>
+            <a:r>
+              <a:rPr lang="en-US" altLang="zh-CN" dirty="0"/>
+              <a:t>MapReduce</a:t>
+            </a:r>
+          </a:p>
+          <a:p>
+            <a:pPr lvl="1"/>
+            <a:r>
+              <a:rPr lang="en-US" altLang="zh-CN" dirty="0" err="1"/>
+              <a:t>Aggergation</a:t>
+            </a:r>
+            <a:endParaRPr lang="en-US" altLang="zh-CN" dirty="0"/>
+          </a:p>
+          <a:p>
+            <a:r>
+              <a:rPr lang="zh-CN" altLang="en-US" dirty="0"/>
+              <a:t>项目实战</a:t>
+            </a:r>
+            <a:endParaRPr lang="en-US" altLang="zh-CN" dirty="0"/>
+          </a:p>
+          <a:p>
+            <a:pPr marL="457200" lvl="1" indent="0">
+              <a:buNone/>
+            </a:pPr>
+            <a:endParaRPr lang="en-US" altLang="zh-CN" dirty="0"/>
+          </a:p>
+        </p:txBody>
+      </p:sp>
+    </p:spTree>
+    <p:extLst>
+      <p:ext uri="{BB962C8B-B14F-4D97-AF65-F5344CB8AC3E}">
+        <p14:creationId xmlns:p14="http://schemas.microsoft.com/office/powerpoint/2010/main" val="2312277732"/>
+      </p:ext>
+    </p:extLst>
+  </p:cSld>
+  <p:clrMapOvr>
+    <a:masterClrMapping/>
+  </p:clrMapOvr>
+</p:sld>
+</file>
+
 <file path=ppt/theme/theme1.xml><?xml version="1.0" encoding="utf-8"?>
 <a:theme xmlns:a="http://schemas.openxmlformats.org/drawingml/2006/main" name="Office 主题">
   <a:themeElements>
